--- a/XMLTaskBFNA2X/ER modell.pptx
+++ b/XMLTaskBFNA2X/ER modell.pptx
@@ -104,6 +104,11 @@
       </a:defRPr>
     </a:lvl9pPr>
   </p:defaultTextStyle>
+  <p:extLst>
+    <p:ext uri="{EFAFB233-063F-42B5-8137-9DF3F51BA10A}">
+      <p15:sldGuideLst xmlns:p15="http://schemas.microsoft.com/office/powerpoint/2012/main"/>
+    </p:ext>
+  </p:extLst>
 </p:presentation>
 </file>
 
@@ -238,7 +243,7 @@
           <a:p>
             <a:fld id="{FBAA1214-C5E8-4028-990E-B2EDA90FDAF1}" type="datetimeFigureOut">
               <a:rPr lang="hu-HU" smtClean="0"/>
-              <a:t>2022. 11. 21.</a:t>
+              <a:t>2022. 11. 29.</a:t>
             </a:fld>
             <a:endParaRPr lang="hu-HU"/>
           </a:p>
@@ -408,7 +413,7 @@
           <a:p>
             <a:fld id="{FBAA1214-C5E8-4028-990E-B2EDA90FDAF1}" type="datetimeFigureOut">
               <a:rPr lang="hu-HU" smtClean="0"/>
-              <a:t>2022. 11. 21.</a:t>
+              <a:t>2022. 11. 29.</a:t>
             </a:fld>
             <a:endParaRPr lang="hu-HU"/>
           </a:p>
@@ -588,7 +593,7 @@
           <a:p>
             <a:fld id="{FBAA1214-C5E8-4028-990E-B2EDA90FDAF1}" type="datetimeFigureOut">
               <a:rPr lang="hu-HU" smtClean="0"/>
-              <a:t>2022. 11. 21.</a:t>
+              <a:t>2022. 11. 29.</a:t>
             </a:fld>
             <a:endParaRPr lang="hu-HU"/>
           </a:p>
@@ -758,7 +763,7 @@
           <a:p>
             <a:fld id="{FBAA1214-C5E8-4028-990E-B2EDA90FDAF1}" type="datetimeFigureOut">
               <a:rPr lang="hu-HU" smtClean="0"/>
-              <a:t>2022. 11. 21.</a:t>
+              <a:t>2022. 11. 29.</a:t>
             </a:fld>
             <a:endParaRPr lang="hu-HU"/>
           </a:p>
@@ -1004,7 +1009,7 @@
           <a:p>
             <a:fld id="{FBAA1214-C5E8-4028-990E-B2EDA90FDAF1}" type="datetimeFigureOut">
               <a:rPr lang="hu-HU" smtClean="0"/>
-              <a:t>2022. 11. 21.</a:t>
+              <a:t>2022. 11. 29.</a:t>
             </a:fld>
             <a:endParaRPr lang="hu-HU"/>
           </a:p>
@@ -1236,7 +1241,7 @@
           <a:p>
             <a:fld id="{FBAA1214-C5E8-4028-990E-B2EDA90FDAF1}" type="datetimeFigureOut">
               <a:rPr lang="hu-HU" smtClean="0"/>
-              <a:t>2022. 11. 21.</a:t>
+              <a:t>2022. 11. 29.</a:t>
             </a:fld>
             <a:endParaRPr lang="hu-HU"/>
           </a:p>
@@ -1603,7 +1608,7 @@
           <a:p>
             <a:fld id="{FBAA1214-C5E8-4028-990E-B2EDA90FDAF1}" type="datetimeFigureOut">
               <a:rPr lang="hu-HU" smtClean="0"/>
-              <a:t>2022. 11. 21.</a:t>
+              <a:t>2022. 11. 29.</a:t>
             </a:fld>
             <a:endParaRPr lang="hu-HU"/>
           </a:p>
@@ -1721,7 +1726,7 @@
           <a:p>
             <a:fld id="{FBAA1214-C5E8-4028-990E-B2EDA90FDAF1}" type="datetimeFigureOut">
               <a:rPr lang="hu-HU" smtClean="0"/>
-              <a:t>2022. 11. 21.</a:t>
+              <a:t>2022. 11. 29.</a:t>
             </a:fld>
             <a:endParaRPr lang="hu-HU"/>
           </a:p>
@@ -1816,7 +1821,7 @@
           <a:p>
             <a:fld id="{FBAA1214-C5E8-4028-990E-B2EDA90FDAF1}" type="datetimeFigureOut">
               <a:rPr lang="hu-HU" smtClean="0"/>
-              <a:t>2022. 11. 21.</a:t>
+              <a:t>2022. 11. 29.</a:t>
             </a:fld>
             <a:endParaRPr lang="hu-HU"/>
           </a:p>
@@ -2093,7 +2098,7 @@
           <a:p>
             <a:fld id="{FBAA1214-C5E8-4028-990E-B2EDA90FDAF1}" type="datetimeFigureOut">
               <a:rPr lang="hu-HU" smtClean="0"/>
-              <a:t>2022. 11. 21.</a:t>
+              <a:t>2022. 11. 29.</a:t>
             </a:fld>
             <a:endParaRPr lang="hu-HU"/>
           </a:p>
@@ -2346,7 +2351,7 @@
           <a:p>
             <a:fld id="{FBAA1214-C5E8-4028-990E-B2EDA90FDAF1}" type="datetimeFigureOut">
               <a:rPr lang="hu-HU" smtClean="0"/>
-              <a:t>2022. 11. 21.</a:t>
+              <a:t>2022. 11. 29.</a:t>
             </a:fld>
             <a:endParaRPr lang="hu-HU"/>
           </a:p>
@@ -2559,7 +2564,7 @@
           <a:p>
             <a:fld id="{FBAA1214-C5E8-4028-990E-B2EDA90FDAF1}" type="datetimeFigureOut">
               <a:rPr lang="hu-HU" smtClean="0"/>
-              <a:t>2022. 11. 21.</a:t>
+              <a:t>2022. 11. 29.</a:t>
             </a:fld>
             <a:endParaRPr lang="hu-HU"/>
           </a:p>
@@ -5491,234 +5496,6 @@
       </p:cxnSp>
       <p:sp>
         <p:nvSpPr>
-          <p:cNvPr id="61" name="Szövegdoboz 60"/>
-          <p:cNvSpPr txBox="1"/>
-          <p:nvPr/>
-        </p:nvSpPr>
-        <p:spPr>
-          <a:xfrm>
-            <a:off x="3089386" y="2187281"/>
-            <a:ext cx="418704" cy="276999"/>
-          </a:xfrm>
-          <a:prstGeom prst="rect">
-            <a:avLst/>
-          </a:prstGeom>
-          <a:noFill/>
-        </p:spPr>
-        <p:txBody>
-          <a:bodyPr wrap="none" rtlCol="0">
-            <a:spAutoFit/>
-          </a:bodyPr>
-          <a:lstStyle/>
-          <a:p>
-            <a:r>
-              <a:rPr lang="hu-HU" sz="1200" dirty="0" smtClean="0">
-                <a:solidFill>
-                  <a:schemeClr val="tx2"/>
-                </a:solidFill>
-              </a:rPr>
-              <a:t>0..1</a:t>
-            </a:r>
-            <a:endParaRPr lang="hu-HU" sz="1200" dirty="0">
-              <a:solidFill>
-                <a:schemeClr val="tx2"/>
-              </a:solidFill>
-            </a:endParaRPr>
-          </a:p>
-        </p:txBody>
-      </p:sp>
-      <p:sp>
-        <p:nvSpPr>
-          <p:cNvPr id="62" name="Szövegdoboz 61"/>
-          <p:cNvSpPr txBox="1"/>
-          <p:nvPr/>
-        </p:nvSpPr>
-        <p:spPr>
-          <a:xfrm>
-            <a:off x="4862351" y="2141854"/>
-            <a:ext cx="418704" cy="276999"/>
-          </a:xfrm>
-          <a:prstGeom prst="rect">
-            <a:avLst/>
-          </a:prstGeom>
-          <a:noFill/>
-        </p:spPr>
-        <p:txBody>
-          <a:bodyPr wrap="none" rtlCol="0">
-            <a:spAutoFit/>
-          </a:bodyPr>
-          <a:lstStyle/>
-          <a:p>
-            <a:r>
-              <a:rPr lang="hu-HU" sz="1200" dirty="0" smtClean="0">
-                <a:solidFill>
-                  <a:schemeClr val="tx2"/>
-                </a:solidFill>
-              </a:rPr>
-              <a:t>1..1</a:t>
-            </a:r>
-            <a:endParaRPr lang="hu-HU" sz="1200" dirty="0">
-              <a:solidFill>
-                <a:schemeClr val="tx2"/>
-              </a:solidFill>
-            </a:endParaRPr>
-          </a:p>
-        </p:txBody>
-      </p:sp>
-      <p:sp>
-        <p:nvSpPr>
-          <p:cNvPr id="63" name="Szövegdoboz 62"/>
-          <p:cNvSpPr txBox="1"/>
-          <p:nvPr/>
-        </p:nvSpPr>
-        <p:spPr>
-          <a:xfrm>
-            <a:off x="6481727" y="2187281"/>
-            <a:ext cx="308098" cy="276999"/>
-          </a:xfrm>
-          <a:prstGeom prst="rect">
-            <a:avLst/>
-          </a:prstGeom>
-          <a:noFill/>
-        </p:spPr>
-        <p:txBody>
-          <a:bodyPr wrap="none" rtlCol="0">
-            <a:spAutoFit/>
-          </a:bodyPr>
-          <a:lstStyle/>
-          <a:p>
-            <a:r>
-              <a:rPr lang="hu-HU" sz="1200" dirty="0" smtClean="0">
-                <a:solidFill>
-                  <a:schemeClr val="tx2"/>
-                </a:solidFill>
-              </a:rPr>
-              <a:t>m</a:t>
-            </a:r>
-            <a:endParaRPr lang="hu-HU" sz="1200" dirty="0">
-              <a:solidFill>
-                <a:schemeClr val="tx2"/>
-              </a:solidFill>
-            </a:endParaRPr>
-          </a:p>
-        </p:txBody>
-      </p:sp>
-      <p:sp>
-        <p:nvSpPr>
-          <p:cNvPr id="64" name="Szövegdoboz 63"/>
-          <p:cNvSpPr txBox="1"/>
-          <p:nvPr/>
-        </p:nvSpPr>
-        <p:spPr>
-          <a:xfrm>
-            <a:off x="8632177" y="2187280"/>
-            <a:ext cx="263214" cy="276999"/>
-          </a:xfrm>
-          <a:prstGeom prst="rect">
-            <a:avLst/>
-          </a:prstGeom>
-          <a:noFill/>
-        </p:spPr>
-        <p:txBody>
-          <a:bodyPr wrap="none" rtlCol="0">
-            <a:spAutoFit/>
-          </a:bodyPr>
-          <a:lstStyle/>
-          <a:p>
-            <a:r>
-              <a:rPr lang="hu-HU" sz="1200" dirty="0" smtClean="0">
-                <a:solidFill>
-                  <a:schemeClr val="tx2"/>
-                </a:solidFill>
-              </a:rPr>
-              <a:t>n</a:t>
-            </a:r>
-            <a:endParaRPr lang="hu-HU" sz="1200" dirty="0">
-              <a:solidFill>
-                <a:schemeClr val="tx2"/>
-              </a:solidFill>
-            </a:endParaRPr>
-          </a:p>
-        </p:txBody>
-      </p:sp>
-      <p:sp>
-        <p:nvSpPr>
-          <p:cNvPr id="65" name="Szövegdoboz 64"/>
-          <p:cNvSpPr txBox="1"/>
-          <p:nvPr/>
-        </p:nvSpPr>
-        <p:spPr>
-          <a:xfrm>
-            <a:off x="9562751" y="2626537"/>
-            <a:ext cx="418704" cy="276999"/>
-          </a:xfrm>
-          <a:prstGeom prst="rect">
-            <a:avLst/>
-          </a:prstGeom>
-          <a:noFill/>
-        </p:spPr>
-        <p:txBody>
-          <a:bodyPr wrap="none" rtlCol="0">
-            <a:spAutoFit/>
-          </a:bodyPr>
-          <a:lstStyle/>
-          <a:p>
-            <a:r>
-              <a:rPr lang="hu-HU" sz="1200" dirty="0" smtClean="0">
-                <a:solidFill>
-                  <a:schemeClr val="tx2"/>
-                </a:solidFill>
-              </a:rPr>
-              <a:t>1..1</a:t>
-            </a:r>
-            <a:endParaRPr lang="hu-HU" sz="1200" dirty="0">
-              <a:solidFill>
-                <a:schemeClr val="tx2"/>
-              </a:solidFill>
-            </a:endParaRPr>
-          </a:p>
-        </p:txBody>
-      </p:sp>
-      <p:sp>
-        <p:nvSpPr>
-          <p:cNvPr id="66" name="Szövegdoboz 65"/>
-          <p:cNvSpPr txBox="1"/>
-          <p:nvPr/>
-        </p:nvSpPr>
-        <p:spPr>
-          <a:xfrm>
-            <a:off x="9562751" y="4178423"/>
-            <a:ext cx="420308" cy="276999"/>
-          </a:xfrm>
-          <a:prstGeom prst="rect">
-            <a:avLst/>
-          </a:prstGeom>
-          <a:noFill/>
-        </p:spPr>
-        <p:txBody>
-          <a:bodyPr wrap="none" rtlCol="0">
-            <a:spAutoFit/>
-          </a:bodyPr>
-          <a:lstStyle/>
-          <a:p>
-            <a:r>
-              <a:rPr lang="hu-HU" sz="1200" dirty="0" smtClean="0">
-                <a:solidFill>
-                  <a:schemeClr val="tx2"/>
-                </a:solidFill>
-              </a:rPr>
-              <a:t>0..n</a:t>
-            </a:r>
-            <a:endParaRPr lang="hu-HU" sz="1200" dirty="0">
-              <a:solidFill>
-                <a:schemeClr val="tx2"/>
-              </a:solidFill>
-            </a:endParaRPr>
-          </a:p>
-        </p:txBody>
-      </p:sp>
-      <p:sp>
-        <p:nvSpPr>
           <p:cNvPr id="67" name="Téglalap 66"/>
           <p:cNvSpPr/>
           <p:nvPr/>
@@ -6113,82 +5890,6 @@
           </a:fontRef>
         </p:style>
       </p:cxnSp>
-      <p:sp>
-        <p:nvSpPr>
-          <p:cNvPr id="76" name="Szövegdoboz 75"/>
-          <p:cNvSpPr txBox="1"/>
-          <p:nvPr/>
-        </p:nvSpPr>
-        <p:spPr>
-          <a:xfrm>
-            <a:off x="1443738" y="2150161"/>
-            <a:ext cx="420308" cy="276999"/>
-          </a:xfrm>
-          <a:prstGeom prst="rect">
-            <a:avLst/>
-          </a:prstGeom>
-          <a:noFill/>
-        </p:spPr>
-        <p:txBody>
-          <a:bodyPr wrap="none" rtlCol="0">
-            <a:spAutoFit/>
-          </a:bodyPr>
-          <a:lstStyle/>
-          <a:p>
-            <a:r>
-              <a:rPr lang="hu-HU" sz="1200" dirty="0" smtClean="0">
-                <a:solidFill>
-                  <a:schemeClr val="tx2"/>
-                </a:solidFill>
-              </a:rPr>
-              <a:t>0..n</a:t>
-            </a:r>
-            <a:endParaRPr lang="hu-HU" sz="1200" dirty="0">
-              <a:solidFill>
-                <a:schemeClr val="tx2"/>
-              </a:solidFill>
-            </a:endParaRPr>
-          </a:p>
-        </p:txBody>
-      </p:sp>
-      <p:sp>
-        <p:nvSpPr>
-          <p:cNvPr id="77" name="Szövegdoboz 76"/>
-          <p:cNvSpPr txBox="1"/>
-          <p:nvPr/>
-        </p:nvSpPr>
-        <p:spPr>
-          <a:xfrm>
-            <a:off x="962513" y="4103439"/>
-            <a:ext cx="418704" cy="276999"/>
-          </a:xfrm>
-          <a:prstGeom prst="rect">
-            <a:avLst/>
-          </a:prstGeom>
-          <a:noFill/>
-        </p:spPr>
-        <p:txBody>
-          <a:bodyPr wrap="none" rtlCol="0">
-            <a:spAutoFit/>
-          </a:bodyPr>
-          <a:lstStyle/>
-          <a:p>
-            <a:r>
-              <a:rPr lang="hu-HU" sz="1200" dirty="0" smtClean="0">
-                <a:solidFill>
-                  <a:schemeClr val="tx2"/>
-                </a:solidFill>
-              </a:rPr>
-              <a:t>1..1</a:t>
-            </a:r>
-            <a:endParaRPr lang="hu-HU" sz="1200" dirty="0">
-              <a:solidFill>
-                <a:schemeClr val="tx2"/>
-              </a:solidFill>
-            </a:endParaRPr>
-          </a:p>
-        </p:txBody>
-      </p:sp>
       <p:sp>
         <p:nvSpPr>
           <p:cNvPr id="78" name="Szövegdoboz 77"/>

--- a/XMLTaskBFNA2X/ER modell.pptx
+++ b/XMLTaskBFNA2X/ER modell.pptx
@@ -3310,12 +3310,12 @@
           <a:p>
             <a:pPr algn="ctr"/>
             <a:r>
-              <a:rPr lang="hu-HU" sz="1200" b="1" u="sng" dirty="0" smtClean="0">
+              <a:rPr lang="hu-HU" sz="1200" b="1" u="sng" dirty="0" err="1" smtClean="0">
                 <a:solidFill>
                   <a:schemeClr val="tx1"/>
                 </a:solidFill>
               </a:rPr>
-              <a:t>gameid</a:t>
+              <a:t>appid</a:t>
             </a:r>
             <a:endParaRPr lang="hu-HU" sz="1200" b="1" u="sng" dirty="0">
               <a:solidFill>
@@ -3496,12 +3496,12 @@
             <a:p>
               <a:pPr algn="ctr"/>
               <a:r>
-                <a:rPr lang="hu-HU" sz="1000" dirty="0" err="1" smtClean="0">
+                <a:rPr lang="hu-HU" sz="1000" smtClean="0">
                   <a:solidFill>
                     <a:schemeClr val="tx1"/>
                   </a:solidFill>
                 </a:rPr>
-                <a:t>achievements</a:t>
+                <a:t>categories</a:t>
               </a:r>
               <a:endParaRPr lang="hu-HU" sz="1000" dirty="0">
                 <a:solidFill>
@@ -4399,7 +4399,7 @@
         </p:nvSpPr>
         <p:spPr>
           <a:xfrm>
-            <a:off x="5980666" y="3401288"/>
+            <a:off x="4900138" y="3304784"/>
             <a:ext cx="936000" cy="360000"/>
           </a:xfrm>
           <a:prstGeom prst="ellipse">
@@ -4576,9 +4576,9 @@
           <p:nvPr/>
         </p:nvCxnSpPr>
         <p:spPr>
-          <a:xfrm>
-            <a:off x="5854138" y="2644208"/>
-            <a:ext cx="594528" cy="757080"/>
+          <a:xfrm flipH="1">
+            <a:off x="5368138" y="2644208"/>
+            <a:ext cx="486000" cy="660576"/>
           </a:xfrm>
           <a:prstGeom prst="line">
             <a:avLst/>
@@ -5388,7 +5388,7 @@
         </p:nvSpPr>
         <p:spPr>
           <a:xfrm>
-            <a:off x="4705247" y="3388747"/>
+            <a:off x="4255869" y="2842779"/>
             <a:ext cx="936000" cy="360000"/>
           </a:xfrm>
           <a:prstGeom prst="ellipse">
@@ -5460,15 +5460,15 @@
         <p:nvCxnSpPr>
           <p:cNvPr id="60" name="Egyenes összekötő 59"/>
           <p:cNvCxnSpPr>
-            <a:stCxn id="59" idx="0"/>
+            <a:stCxn id="59" idx="7"/>
             <a:endCxn id="5" idx="2"/>
           </p:cNvCxnSpPr>
           <p:nvPr/>
         </p:nvCxnSpPr>
         <p:spPr>
           <a:xfrm flipV="1">
-            <a:off x="5173247" y="2644208"/>
-            <a:ext cx="680891" cy="744539"/>
+            <a:off x="5054795" y="2644208"/>
+            <a:ext cx="799343" cy="251292"/>
           </a:xfrm>
           <a:prstGeom prst="line">
             <a:avLst/>
@@ -6087,14 +6087,14 @@
           <a:p>
             <a:pPr algn="ctr"/>
             <a:r>
-              <a:rPr lang="hu-HU" sz="900" u="sng" dirty="0" smtClean="0">
+              <a:rPr lang="hu-HU" sz="900" dirty="0" smtClean="0">
                 <a:solidFill>
                   <a:schemeClr val="tx1"/>
                 </a:solidFill>
               </a:rPr>
               <a:t>email</a:t>
             </a:r>
-            <a:endParaRPr lang="hu-HU" sz="1100" u="sng" dirty="0">
+            <a:endParaRPr lang="hu-HU" sz="1100" dirty="0">
               <a:solidFill>
                 <a:schemeClr val="tx1"/>
               </a:solidFill>
@@ -6292,7 +6292,7 @@
                     <a:schemeClr val="tx1"/>
                   </a:solidFill>
                 </a:rPr>
-                <a:t>achievements</a:t>
+                <a:t>categories</a:t>
               </a:r>
               <a:endParaRPr lang="hu-HU" sz="1000" dirty="0">
                 <a:solidFill>
@@ -6439,6 +6439,393 @@
           </a:fontRef>
         </p:style>
       </p:cxnSp>
+      <p:grpSp>
+        <p:nvGrpSpPr>
+          <p:cNvPr id="93" name="Csoportba foglalás 92"/>
+          <p:cNvGrpSpPr/>
+          <p:nvPr/>
+        </p:nvGrpSpPr>
+        <p:grpSpPr>
+          <a:xfrm>
+            <a:off x="7512275" y="3746857"/>
+            <a:ext cx="612000" cy="612000"/>
+            <a:chOff x="6314684" y="1257603"/>
+            <a:chExt cx="739645" cy="648356"/>
+          </a:xfrm>
+        </p:grpSpPr>
+        <p:sp>
+          <p:nvSpPr>
+            <p:cNvPr id="94" name="Rombusz 93"/>
+            <p:cNvSpPr/>
+            <p:nvPr/>
+          </p:nvSpPr>
+          <p:spPr>
+            <a:xfrm>
+              <a:off x="6314684" y="1257603"/>
+              <a:ext cx="739645" cy="648356"/>
+            </a:xfrm>
+            <a:prstGeom prst="diamond">
+              <a:avLst/>
+            </a:prstGeom>
+          </p:spPr>
+          <p:style>
+            <a:lnRef idx="2">
+              <a:schemeClr val="accent4">
+                <a:shade val="50000"/>
+              </a:schemeClr>
+            </a:lnRef>
+            <a:fillRef idx="1">
+              <a:schemeClr val="accent4"/>
+            </a:fillRef>
+            <a:effectRef idx="0">
+              <a:schemeClr val="accent4"/>
+            </a:effectRef>
+            <a:fontRef idx="minor">
+              <a:schemeClr val="lt1"/>
+            </a:fontRef>
+          </p:style>
+          <p:txBody>
+            <a:bodyPr rtlCol="0" anchor="ctr"/>
+            <a:lstStyle/>
+            <a:p>
+              <a:pPr algn="ctr"/>
+              <a:endParaRPr lang="hu-HU" sz="1100" dirty="0"/>
+            </a:p>
+          </p:txBody>
+        </p:sp>
+        <p:sp>
+          <p:nvSpPr>
+            <p:cNvPr id="99" name="Szövegdoboz 98"/>
+            <p:cNvSpPr txBox="1"/>
+            <p:nvPr/>
+          </p:nvSpPr>
+          <p:spPr>
+            <a:xfrm>
+              <a:off x="6386731" y="1439893"/>
+              <a:ext cx="667598" cy="293454"/>
+            </a:xfrm>
+            <a:prstGeom prst="rect">
+              <a:avLst/>
+            </a:prstGeom>
+            <a:noFill/>
+          </p:spPr>
+          <p:txBody>
+            <a:bodyPr wrap="square" rtlCol="0">
+              <a:spAutoFit/>
+            </a:bodyPr>
+            <a:lstStyle/>
+            <a:p>
+              <a:endParaRPr lang="hu-HU" sz="1200" dirty="0"/>
+            </a:p>
+          </p:txBody>
+        </p:sp>
+      </p:grpSp>
+      <p:sp>
+        <p:nvSpPr>
+          <p:cNvPr id="100" name="Ellipszis 99"/>
+          <p:cNvSpPr/>
+          <p:nvPr/>
+        </p:nvSpPr>
+        <p:spPr>
+          <a:xfrm>
+            <a:off x="6648275" y="4541616"/>
+            <a:ext cx="936000" cy="360000"/>
+          </a:xfrm>
+          <a:prstGeom prst="ellipse">
+            <a:avLst/>
+          </a:prstGeom>
+          <a:solidFill>
+            <a:schemeClr val="bg1"/>
+          </a:solidFill>
+          <a:ln>
+            <a:solidFill>
+              <a:schemeClr val="tx1"/>
+            </a:solidFill>
+            <a:prstDash val="solid"/>
+          </a:ln>
+        </p:spPr>
+        <p:style>
+          <a:lnRef idx="2">
+            <a:schemeClr val="accent1">
+              <a:shade val="50000"/>
+            </a:schemeClr>
+          </a:lnRef>
+          <a:fillRef idx="1">
+            <a:schemeClr val="accent1"/>
+          </a:fillRef>
+          <a:effectRef idx="0">
+            <a:schemeClr val="accent1"/>
+          </a:effectRef>
+          <a:fontRef idx="minor">
+            <a:schemeClr val="lt1"/>
+          </a:fontRef>
+        </p:style>
+        <p:txBody>
+          <a:bodyPr rtlCol="0" anchor="ctr"/>
+          <a:lstStyle/>
+          <a:p>
+            <a:pPr algn="ctr"/>
+            <a:r>
+              <a:rPr lang="hu-HU" sz="900" dirty="0" err="1" smtClean="0">
+                <a:solidFill>
+                  <a:schemeClr val="tx1"/>
+                </a:solidFill>
+              </a:rPr>
+              <a:t>date</a:t>
+            </a:r>
+            <a:r>
+              <a:rPr lang="hu-HU" sz="900" dirty="0" smtClean="0">
+                <a:solidFill>
+                  <a:schemeClr val="tx1"/>
+                </a:solidFill>
+              </a:rPr>
+              <a:t> of </a:t>
+            </a:r>
+            <a:r>
+              <a:rPr lang="hu-HU" sz="900" dirty="0" err="1" smtClean="0">
+                <a:solidFill>
+                  <a:schemeClr val="tx1"/>
+                </a:solidFill>
+              </a:rPr>
+              <a:t>purchase</a:t>
+            </a:r>
+            <a:endParaRPr lang="hu-HU" sz="1100" dirty="0">
+              <a:solidFill>
+                <a:schemeClr val="tx1"/>
+              </a:solidFill>
+            </a:endParaRPr>
+          </a:p>
+        </p:txBody>
+      </p:sp>
+      <p:cxnSp>
+        <p:nvCxnSpPr>
+          <p:cNvPr id="101" name="Egyenes összekötő 100"/>
+          <p:cNvCxnSpPr>
+            <a:stCxn id="94" idx="2"/>
+            <a:endCxn id="100" idx="7"/>
+          </p:cNvCxnSpPr>
+          <p:nvPr/>
+        </p:nvCxnSpPr>
+        <p:spPr>
+          <a:xfrm flipH="1">
+            <a:off x="7447201" y="4358857"/>
+            <a:ext cx="371074" cy="235480"/>
+          </a:xfrm>
+          <a:prstGeom prst="line">
+            <a:avLst/>
+          </a:prstGeom>
+          <a:ln>
+            <a:solidFill>
+              <a:schemeClr val="tx1"/>
+            </a:solidFill>
+          </a:ln>
+        </p:spPr>
+        <p:style>
+          <a:lnRef idx="1">
+            <a:schemeClr val="accent1"/>
+          </a:lnRef>
+          <a:fillRef idx="0">
+            <a:schemeClr val="accent1"/>
+          </a:fillRef>
+          <a:effectRef idx="0">
+            <a:schemeClr val="accent1"/>
+          </a:effectRef>
+          <a:fontRef idx="minor">
+            <a:schemeClr val="tx1"/>
+          </a:fontRef>
+        </p:style>
+      </p:cxnSp>
+      <p:cxnSp>
+        <p:nvCxnSpPr>
+          <p:cNvPr id="102" name="Egyenes összekötő nyíllal 101"/>
+          <p:cNvCxnSpPr>
+            <a:stCxn id="94" idx="1"/>
+          </p:cNvCxnSpPr>
+          <p:nvPr/>
+        </p:nvCxnSpPr>
+        <p:spPr>
+          <a:xfrm flipH="1" flipV="1">
+            <a:off x="6423263" y="2715872"/>
+            <a:ext cx="1089012" cy="1336985"/>
+          </a:xfrm>
+          <a:prstGeom prst="straightConnector1">
+            <a:avLst/>
+          </a:prstGeom>
+          <a:ln w="25400">
+            <a:solidFill>
+              <a:schemeClr val="tx1"/>
+            </a:solidFill>
+            <a:tailEnd type="triangle" w="lg" len="med"/>
+          </a:ln>
+        </p:spPr>
+        <p:style>
+          <a:lnRef idx="1">
+            <a:schemeClr val="accent1"/>
+          </a:lnRef>
+          <a:fillRef idx="0">
+            <a:schemeClr val="accent1"/>
+          </a:fillRef>
+          <a:effectRef idx="0">
+            <a:schemeClr val="accent1"/>
+          </a:effectRef>
+          <a:fontRef idx="minor">
+            <a:schemeClr val="tx1"/>
+          </a:fontRef>
+        </p:style>
+      </p:cxnSp>
+      <p:cxnSp>
+        <p:nvCxnSpPr>
+          <p:cNvPr id="103" name="Egyenes összekötő nyíllal 102"/>
+          <p:cNvCxnSpPr>
+            <a:stCxn id="94" idx="1"/>
+          </p:cNvCxnSpPr>
+          <p:nvPr/>
+        </p:nvCxnSpPr>
+        <p:spPr>
+          <a:xfrm flipH="1" flipV="1">
+            <a:off x="6382111" y="2644208"/>
+            <a:ext cx="1130164" cy="1408649"/>
+          </a:xfrm>
+          <a:prstGeom prst="straightConnector1">
+            <a:avLst/>
+          </a:prstGeom>
+          <a:ln w="25400">
+            <a:solidFill>
+              <a:schemeClr val="tx1"/>
+            </a:solidFill>
+            <a:tailEnd type="triangle" w="lg" len="med"/>
+          </a:ln>
+        </p:spPr>
+        <p:style>
+          <a:lnRef idx="1">
+            <a:schemeClr val="accent1"/>
+          </a:lnRef>
+          <a:fillRef idx="0">
+            <a:schemeClr val="accent1"/>
+          </a:fillRef>
+          <a:effectRef idx="0">
+            <a:schemeClr val="accent1"/>
+          </a:effectRef>
+          <a:fontRef idx="minor">
+            <a:schemeClr val="tx1"/>
+          </a:fontRef>
+        </p:style>
+      </p:cxnSp>
+      <p:cxnSp>
+        <p:nvCxnSpPr>
+          <p:cNvPr id="104" name="Egyenes összekötő nyíllal 103"/>
+          <p:cNvCxnSpPr>
+            <a:stCxn id="94" idx="3"/>
+            <a:endCxn id="8" idx="1"/>
+          </p:cNvCxnSpPr>
+          <p:nvPr/>
+        </p:nvCxnSpPr>
+        <p:spPr>
+          <a:xfrm>
+            <a:off x="8124275" y="4052857"/>
+            <a:ext cx="933128" cy="781701"/>
+          </a:xfrm>
+          <a:prstGeom prst="straightConnector1">
+            <a:avLst/>
+          </a:prstGeom>
+          <a:ln w="25400">
+            <a:solidFill>
+              <a:schemeClr val="tx1"/>
+            </a:solidFill>
+            <a:tailEnd type="triangle" w="lg" len="med"/>
+          </a:ln>
+        </p:spPr>
+        <p:style>
+          <a:lnRef idx="1">
+            <a:schemeClr val="accent1"/>
+          </a:lnRef>
+          <a:fillRef idx="0">
+            <a:schemeClr val="accent1"/>
+          </a:fillRef>
+          <a:effectRef idx="0">
+            <a:schemeClr val="accent1"/>
+          </a:effectRef>
+          <a:fontRef idx="minor">
+            <a:schemeClr val="tx1"/>
+          </a:fontRef>
+        </p:style>
+      </p:cxnSp>
+      <p:cxnSp>
+        <p:nvCxnSpPr>
+          <p:cNvPr id="105" name="Egyenes összekötő nyíllal 104"/>
+          <p:cNvCxnSpPr>
+            <a:stCxn id="94" idx="3"/>
+          </p:cNvCxnSpPr>
+          <p:nvPr/>
+        </p:nvCxnSpPr>
+        <p:spPr>
+          <a:xfrm>
+            <a:off x="8124275" y="4052857"/>
+            <a:ext cx="868004" cy="708768"/>
+          </a:xfrm>
+          <a:prstGeom prst="straightConnector1">
+            <a:avLst/>
+          </a:prstGeom>
+          <a:ln w="25400">
+            <a:solidFill>
+              <a:schemeClr val="tx1"/>
+            </a:solidFill>
+            <a:tailEnd type="triangle" w="lg" len="med"/>
+          </a:ln>
+        </p:spPr>
+        <p:style>
+          <a:lnRef idx="1">
+            <a:schemeClr val="accent1"/>
+          </a:lnRef>
+          <a:fillRef idx="0">
+            <a:schemeClr val="accent1"/>
+          </a:fillRef>
+          <a:effectRef idx="0">
+            <a:schemeClr val="accent1"/>
+          </a:effectRef>
+          <a:fontRef idx="minor">
+            <a:schemeClr val="tx1"/>
+          </a:fontRef>
+        </p:style>
+      </p:cxnSp>
+      <p:sp>
+        <p:nvSpPr>
+          <p:cNvPr id="106" name="Szövegdoboz 105"/>
+          <p:cNvSpPr txBox="1"/>
+          <p:nvPr/>
+        </p:nvSpPr>
+        <p:spPr>
+          <a:xfrm>
+            <a:off x="7512275" y="3929616"/>
+            <a:ext cx="632096" cy="276999"/>
+          </a:xfrm>
+          <a:prstGeom prst="rect">
+            <a:avLst/>
+          </a:prstGeom>
+          <a:noFill/>
+        </p:spPr>
+        <p:txBody>
+          <a:bodyPr wrap="square" rtlCol="0">
+            <a:spAutoFit/>
+          </a:bodyPr>
+          <a:lstStyle/>
+          <a:p>
+            <a:r>
+              <a:rPr lang="hu-HU" sz="1200" dirty="0" err="1" smtClean="0">
+                <a:solidFill>
+                  <a:schemeClr val="bg1"/>
+                </a:solidFill>
+              </a:rPr>
+              <a:t>Bought</a:t>
+            </a:r>
+            <a:endParaRPr lang="hu-HU" sz="1200" dirty="0">
+              <a:solidFill>
+                <a:schemeClr val="bg1"/>
+              </a:solidFill>
+            </a:endParaRPr>
+          </a:p>
+        </p:txBody>
+      </p:sp>
     </p:spTree>
     <p:extLst>
       <p:ext uri="{BB962C8B-B14F-4D97-AF65-F5344CB8AC3E}">
